--- a/Presentation.pptx
+++ b/Presentation.pptx
@@ -5,7 +5,7 @@
     <p:sldMasterId id="2147483684" r:id="rId1"/>
   </p:sldMasterIdLst>
   <p:notesMasterIdLst>
-    <p:notesMasterId r:id="rId15"/>
+    <p:notesMasterId r:id="rId18"/>
   </p:notesMasterIdLst>
   <p:sldIdLst>
     <p:sldId id="256" r:id="rId2"/>
@@ -17,10 +17,13 @@
     <p:sldId id="261" r:id="rId8"/>
     <p:sldId id="263" r:id="rId9"/>
     <p:sldId id="264" r:id="rId10"/>
-    <p:sldId id="265" r:id="rId11"/>
-    <p:sldId id="267" r:id="rId12"/>
-    <p:sldId id="266" r:id="rId13"/>
-    <p:sldId id="268" r:id="rId14"/>
+    <p:sldId id="272" r:id="rId11"/>
+    <p:sldId id="265" r:id="rId12"/>
+    <p:sldId id="267" r:id="rId13"/>
+    <p:sldId id="266" r:id="rId14"/>
+    <p:sldId id="268" r:id="rId15"/>
+    <p:sldId id="269" r:id="rId16"/>
+    <p:sldId id="270" r:id="rId17"/>
   </p:sldIdLst>
   <p:sldSz cx="9144000" cy="6858000" type="screen4x3"/>
   <p:notesSz cx="6858000" cy="9144000"/>
@@ -204,7 +207,7 @@
           <a:p>
             <a:fld id="{5B001F5C-DE1E-4C21-B462-D7901AD5BE3F}" type="datetimeFigureOut">
               <a:rPr lang="en-US" smtClean="0"/>
-              <a:t>11/28/2016</a:t>
+              <a:t>11/29/2016</a:t>
             </a:fld>
             <a:endParaRPr lang="en-US"/>
           </a:p>
@@ -748,7 +751,7 @@
           <a:p>
             <a:fld id="{3C16F14B-0F58-429D-8B60-47E93CE5C47A}" type="datetime1">
               <a:rPr lang="en-US" smtClean="0"/>
-              <a:t>11/28/2016</a:t>
+              <a:t>11/29/2016</a:t>
             </a:fld>
             <a:endParaRPr lang="en-US"/>
           </a:p>
@@ -914,7 +917,7 @@
           <a:p>
             <a:fld id="{71D30F2F-9269-4E0A-925E-1E7F9F8953D8}" type="datetime1">
               <a:rPr lang="en-US" smtClean="0"/>
-              <a:t>11/28/2016</a:t>
+              <a:t>11/29/2016</a:t>
             </a:fld>
             <a:endParaRPr lang="en-US"/>
           </a:p>
@@ -1090,7 +1093,7 @@
           <a:p>
             <a:fld id="{F6932F68-9A1D-4B55-ABEB-5A86FE90B206}" type="datetime1">
               <a:rPr lang="en-US" smtClean="0"/>
-              <a:t>11/28/2016</a:t>
+              <a:t>11/29/2016</a:t>
             </a:fld>
             <a:endParaRPr lang="en-US"/>
           </a:p>
@@ -1274,7 +1277,7 @@
           <a:p>
             <a:fld id="{B43F10E8-0F81-437F-BBEA-DF5025DBEEC1}" type="datetime1">
               <a:rPr lang="en-US" smtClean="0"/>
-              <a:t>11/28/2016</a:t>
+              <a:t>11/29/2016</a:t>
             </a:fld>
             <a:endParaRPr lang="en-US"/>
           </a:p>
@@ -1537,7 +1540,7 @@
           <a:p>
             <a:fld id="{ADD27B92-6646-44FD-AC01-1C5BB537B997}" type="datetime1">
               <a:rPr lang="en-US" smtClean="0"/>
-              <a:t>11/28/2016</a:t>
+              <a:t>11/29/2016</a:t>
             </a:fld>
             <a:endParaRPr lang="en-US"/>
           </a:p>
@@ -1886,7 +1889,7 @@
           <a:p>
             <a:fld id="{1789980D-09E1-436A-8F54-FBD75545F6C7}" type="datetime1">
               <a:rPr lang="en-US" smtClean="0"/>
-              <a:t>11/28/2016</a:t>
+              <a:t>11/29/2016</a:t>
             </a:fld>
             <a:endParaRPr lang="en-US"/>
           </a:p>
@@ -2195,7 +2198,7 @@
           <a:p>
             <a:fld id="{76339C8D-A86E-4C0D-B4B6-89D364B00615}" type="datetime1">
               <a:rPr lang="en-US" smtClean="0"/>
-              <a:t>11/28/2016</a:t>
+              <a:t>11/29/2016</a:t>
             </a:fld>
             <a:endParaRPr lang="en-US"/>
           </a:p>
@@ -2423,7 +2426,7 @@
           <a:p>
             <a:fld id="{018A1A32-3A38-4A5E-82AA-A834BEFE0417}" type="datetime1">
               <a:rPr lang="en-US" smtClean="0"/>
-              <a:t>11/28/2016</a:t>
+              <a:t>11/29/2016</a:t>
             </a:fld>
             <a:endParaRPr lang="en-US"/>
           </a:p>
@@ -2514,7 +2517,7 @@
           <a:p>
             <a:fld id="{E5150668-E864-4F04-8A30-F325218FE89F}" type="datetime1">
               <a:rPr lang="en-US" smtClean="0"/>
-              <a:t>11/28/2016</a:t>
+              <a:t>11/29/2016</a:t>
             </a:fld>
             <a:endParaRPr lang="en-US"/>
           </a:p>
@@ -2803,7 +2806,7 @@
           <a:p>
             <a:fld id="{2B649740-F908-4F63-8235-5851C76FEFF7}" type="datetime1">
               <a:rPr lang="en-US" smtClean="0"/>
-              <a:t>11/28/2016</a:t>
+              <a:t>11/29/2016</a:t>
             </a:fld>
             <a:endParaRPr lang="en-US"/>
           </a:p>
@@ -3073,7 +3076,7 @@
           <a:p>
             <a:fld id="{D4057030-1A27-42BE-9F1F-A1DC53970578}" type="datetime1">
               <a:rPr lang="en-US" smtClean="0"/>
-              <a:t>11/28/2016</a:t>
+              <a:t>11/29/2016</a:t>
             </a:fld>
             <a:endParaRPr lang="en-US"/>
           </a:p>
@@ -3284,7 +3287,7 @@
           <a:p>
             <a:fld id="{FAB19973-5FC9-41F7-80E1-160F8A8769C4}" type="datetime1">
               <a:rPr lang="en-US" smtClean="0"/>
-              <a:t>11/28/2016</a:t>
+              <a:t>11/29/2016</a:t>
             </a:fld>
             <a:endParaRPr lang="en-US"/>
           </a:p>
@@ -3869,7 +3872,7 @@
           <a:p>
             <a:fld id="{46DA7B85-02C5-404D-8AE8-0BE936B64C9B}" type="datetime1">
               <a:rPr lang="en-US" smtClean="0"/>
-              <a:t>11/28/2016</a:t>
+              <a:t>11/29/2016</a:t>
             </a:fld>
             <a:endParaRPr lang="en-US"/>
           </a:p>
@@ -3945,8 +3948,12 @@
           <a:lstStyle/>
           <a:p>
             <a:r>
+              <a:rPr lang="en-US" dirty="0"/>
+              <a:t>Event </a:t>
+            </a:r>
+            <a:r>
               <a:rPr lang="en-US" dirty="0" smtClean="0"/>
-              <a:t>Subscription Management</a:t>
+              <a:t>Processor (cont..)</a:t>
             </a:r>
             <a:endParaRPr lang="en-US" dirty="0"/>
           </a:p>
@@ -3954,37 +3961,6 @@
       </p:sp>
       <p:sp>
         <p:nvSpPr>
-          <p:cNvPr id="3" name="Content Placeholder 2"/>
-          <p:cNvSpPr>
-            <a:spLocks noGrp="1"/>
-          </p:cNvSpPr>
-          <p:nvPr>
-            <p:ph idx="1"/>
-          </p:nvPr>
-        </p:nvSpPr>
-        <p:spPr/>
-        <p:txBody>
-          <a:bodyPr/>
-          <a:lstStyle/>
-          <a:p>
-            <a:r>
-              <a:rPr lang="en-US" dirty="0" smtClean="0"/>
-              <a:t>Subscription Management filters the list of users and the delivery channels based on the subscription data </a:t>
-            </a:r>
-          </a:p>
-          <a:p>
-            <a:r>
-              <a:rPr lang="en-US" dirty="0" smtClean="0"/>
-              <a:t>A User may have preferences for notification delivery based on its type and priority</a:t>
-            </a:r>
-          </a:p>
-          <a:p>
-            <a:endParaRPr lang="en-US" dirty="0"/>
-          </a:p>
-        </p:txBody>
-      </p:sp>
-      <p:sp>
-        <p:nvSpPr>
           <p:cNvPr id="4" name="Date Placeholder 3"/>
           <p:cNvSpPr>
             <a:spLocks noGrp="1"/>
@@ -3998,9 +3974,9 @@
           <a:bodyPr/>
           <a:lstStyle/>
           <a:p>
-            <a:fld id="{146985E0-2BC5-4723-92C3-E665C1A3D782}" type="datetime1">
-              <a:rPr lang="en-US" smtClean="0"/>
-              <a:t>11/28/2016</a:t>
+            <a:fld id="{B43F10E8-0F81-437F-BBEA-DF5025DBEEC1}" type="datetime1">
+              <a:rPr lang="en-US" smtClean="0"/>
+              <a:t>11/29/2016</a:t>
             </a:fld>
             <a:endParaRPr lang="en-US"/>
           </a:p>
@@ -4030,10 +4006,534 @@
           </a:p>
         </p:txBody>
       </p:sp>
+      <p:pic>
+        <p:nvPicPr>
+          <p:cNvPr id="2050" name="Picture 2"/>
+          <p:cNvPicPr>
+            <a:picLocks noChangeAspect="1" noChangeArrowheads="1"/>
+          </p:cNvPicPr>
+          <p:nvPr/>
+        </p:nvPicPr>
+        <p:blipFill>
+          <a:blip r:embed="rId2">
+            <a:extLst>
+              <a:ext uri="{28A0092B-C50C-407E-A947-70E740481C1C}">
+                <a14:useLocalDpi xmlns:a14="http://schemas.microsoft.com/office/drawing/2010/main" val="0"/>
+              </a:ext>
+            </a:extLst>
+          </a:blip>
+          <a:srcRect/>
+          <a:stretch>
+            <a:fillRect/>
+          </a:stretch>
+        </p:blipFill>
+        <p:spPr bwMode="auto">
+          <a:xfrm>
+            <a:off x="4815625" y="2524125"/>
+            <a:ext cx="742950" cy="2724150"/>
+          </a:xfrm>
+          <a:prstGeom prst="rect">
+            <a:avLst/>
+          </a:prstGeom>
+          <a:noFill/>
+          <a:ln>
+            <a:noFill/>
+          </a:ln>
+          <a:extLst>
+            <a:ext uri="{909E8E84-426E-40DD-AFC4-6F175D3DCCD1}">
+              <a14:hiddenFill xmlns:a14="http://schemas.microsoft.com/office/drawing/2010/main">
+                <a:solidFill>
+                  <a:schemeClr val="accent1"/>
+                </a:solidFill>
+              </a14:hiddenFill>
+            </a:ext>
+            <a:ext uri="{91240B29-F687-4F45-9708-019B960494DF}">
+              <a14:hiddenLine xmlns:a14="http://schemas.microsoft.com/office/drawing/2010/main" w="9525">
+                <a:solidFill>
+                  <a:schemeClr val="tx1"/>
+                </a:solidFill>
+                <a:miter lim="800000"/>
+                <a:headEnd/>
+                <a:tailEnd/>
+              </a14:hiddenLine>
+            </a:ext>
+          </a:extLst>
+        </p:spPr>
+      </p:pic>
+      <p:sp>
+        <p:nvSpPr>
+          <p:cNvPr id="7" name="Flowchart: Magnetic Disk 6"/>
+          <p:cNvSpPr/>
+          <p:nvPr/>
+        </p:nvSpPr>
+        <p:spPr>
+          <a:xfrm>
+            <a:off x="1143000" y="3200400"/>
+            <a:ext cx="1295400" cy="1371600"/>
+          </a:xfrm>
+          <a:prstGeom prst="flowChartMagneticDisk">
+            <a:avLst/>
+          </a:prstGeom>
+        </p:spPr>
+        <p:style>
+          <a:lnRef idx="1">
+            <a:schemeClr val="accent1"/>
+          </a:lnRef>
+          <a:fillRef idx="2">
+            <a:schemeClr val="accent1"/>
+          </a:fillRef>
+          <a:effectRef idx="1">
+            <a:schemeClr val="accent1"/>
+          </a:effectRef>
+          <a:fontRef idx="minor">
+            <a:schemeClr val="dk1"/>
+          </a:fontRef>
+        </p:style>
+        <p:txBody>
+          <a:bodyPr rtlCol="0" anchor="ctr"/>
+          <a:lstStyle/>
+          <a:p>
+            <a:pPr algn="ctr"/>
+            <a:r>
+              <a:rPr lang="en-US" dirty="0" smtClean="0"/>
+              <a:t>Event Store</a:t>
+            </a:r>
+            <a:endParaRPr lang="en-US" dirty="0"/>
+          </a:p>
+        </p:txBody>
+      </p:sp>
+      <p:cxnSp>
+        <p:nvCxnSpPr>
+          <p:cNvPr id="9" name="Straight Arrow Connector 8"/>
+          <p:cNvCxnSpPr>
+            <a:stCxn id="7" idx="4"/>
+          </p:cNvCxnSpPr>
+          <p:nvPr/>
+        </p:nvCxnSpPr>
+        <p:spPr>
+          <a:xfrm>
+            <a:off x="2438400" y="3886200"/>
+            <a:ext cx="723900" cy="0"/>
+          </a:xfrm>
+          <a:prstGeom prst="straightConnector1">
+            <a:avLst/>
+          </a:prstGeom>
+          <a:ln>
+            <a:tailEnd type="arrow"/>
+          </a:ln>
+        </p:spPr>
+        <p:style>
+          <a:lnRef idx="1">
+            <a:schemeClr val="accent1"/>
+          </a:lnRef>
+          <a:fillRef idx="0">
+            <a:schemeClr val="accent1"/>
+          </a:fillRef>
+          <a:effectRef idx="0">
+            <a:schemeClr val="accent1"/>
+          </a:effectRef>
+          <a:fontRef idx="minor">
+            <a:schemeClr val="tx1"/>
+          </a:fontRef>
+        </p:style>
+      </p:cxnSp>
+      <p:sp>
+        <p:nvSpPr>
+          <p:cNvPr id="10" name="Rectangle 9"/>
+          <p:cNvSpPr/>
+          <p:nvPr/>
+        </p:nvSpPr>
+        <p:spPr>
+          <a:xfrm>
+            <a:off x="3170886" y="3371850"/>
+            <a:ext cx="1172514" cy="1028700"/>
+          </a:xfrm>
+          <a:prstGeom prst="rect">
+            <a:avLst/>
+          </a:prstGeom>
+        </p:spPr>
+        <p:style>
+          <a:lnRef idx="1">
+            <a:schemeClr val="accent1"/>
+          </a:lnRef>
+          <a:fillRef idx="2">
+            <a:schemeClr val="accent1"/>
+          </a:fillRef>
+          <a:effectRef idx="1">
+            <a:schemeClr val="accent1"/>
+          </a:effectRef>
+          <a:fontRef idx="minor">
+            <a:schemeClr val="dk1"/>
+          </a:fontRef>
+        </p:style>
+        <p:txBody>
+          <a:bodyPr rtlCol="0" anchor="ctr"/>
+          <a:lstStyle/>
+          <a:p>
+            <a:pPr algn="ctr"/>
+            <a:r>
+              <a:rPr lang="en-US" dirty="0" smtClean="0"/>
+              <a:t>Event Processor</a:t>
+            </a:r>
+            <a:endParaRPr lang="en-US" dirty="0"/>
+          </a:p>
+        </p:txBody>
+      </p:sp>
+      <p:sp>
+        <p:nvSpPr>
+          <p:cNvPr id="12" name="TextBox 11"/>
+          <p:cNvSpPr txBox="1"/>
+          <p:nvPr/>
+        </p:nvSpPr>
+        <p:spPr>
+          <a:xfrm>
+            <a:off x="4343400" y="1981200"/>
+            <a:ext cx="1447800" cy="523220"/>
+          </a:xfrm>
+          <a:prstGeom prst="rect">
+            <a:avLst/>
+          </a:prstGeom>
+          <a:noFill/>
+        </p:spPr>
+        <p:txBody>
+          <a:bodyPr wrap="square" rtlCol="0">
+            <a:spAutoFit/>
+          </a:bodyPr>
+          <a:lstStyle/>
+          <a:p>
+            <a:pPr algn="ctr"/>
+            <a:r>
+              <a:rPr lang="en-US" sz="1400" dirty="0" smtClean="0"/>
+              <a:t>Event Processor Threads</a:t>
+            </a:r>
+            <a:endParaRPr lang="en-US" dirty="0"/>
+          </a:p>
+        </p:txBody>
+      </p:sp>
+      <p:cxnSp>
+        <p:nvCxnSpPr>
+          <p:cNvPr id="14" name="Straight Arrow Connector 13"/>
+          <p:cNvCxnSpPr>
+            <a:stCxn id="10" idx="3"/>
+          </p:cNvCxnSpPr>
+          <p:nvPr/>
+        </p:nvCxnSpPr>
+        <p:spPr>
+          <a:xfrm flipV="1">
+            <a:off x="4343400" y="2971800"/>
+            <a:ext cx="609600" cy="914400"/>
+          </a:xfrm>
+          <a:prstGeom prst="straightConnector1">
+            <a:avLst/>
+          </a:prstGeom>
+          <a:ln>
+            <a:tailEnd type="arrow"/>
+          </a:ln>
+        </p:spPr>
+        <p:style>
+          <a:lnRef idx="1">
+            <a:schemeClr val="accent1"/>
+          </a:lnRef>
+          <a:fillRef idx="0">
+            <a:schemeClr val="accent1"/>
+          </a:fillRef>
+          <a:effectRef idx="0">
+            <a:schemeClr val="accent1"/>
+          </a:effectRef>
+          <a:fontRef idx="minor">
+            <a:schemeClr val="tx1"/>
+          </a:fontRef>
+        </p:style>
+      </p:cxnSp>
+      <p:cxnSp>
+        <p:nvCxnSpPr>
+          <p:cNvPr id="17" name="Straight Arrow Connector 16"/>
+          <p:cNvCxnSpPr>
+            <a:stCxn id="10" idx="3"/>
+          </p:cNvCxnSpPr>
+          <p:nvPr/>
+        </p:nvCxnSpPr>
+        <p:spPr>
+          <a:xfrm flipV="1">
+            <a:off x="4343400" y="3733800"/>
+            <a:ext cx="609600" cy="152400"/>
+          </a:xfrm>
+          <a:prstGeom prst="straightConnector1">
+            <a:avLst/>
+          </a:prstGeom>
+          <a:ln>
+            <a:tailEnd type="arrow"/>
+          </a:ln>
+        </p:spPr>
+        <p:style>
+          <a:lnRef idx="1">
+            <a:schemeClr val="accent1"/>
+          </a:lnRef>
+          <a:fillRef idx="0">
+            <a:schemeClr val="accent1"/>
+          </a:fillRef>
+          <a:effectRef idx="0">
+            <a:schemeClr val="accent1"/>
+          </a:effectRef>
+          <a:fontRef idx="minor">
+            <a:schemeClr val="tx1"/>
+          </a:fontRef>
+        </p:style>
+      </p:cxnSp>
+      <p:cxnSp>
+        <p:nvCxnSpPr>
+          <p:cNvPr id="21" name="Straight Arrow Connector 20"/>
+          <p:cNvCxnSpPr>
+            <a:stCxn id="10" idx="3"/>
+          </p:cNvCxnSpPr>
+          <p:nvPr/>
+        </p:nvCxnSpPr>
+        <p:spPr>
+          <a:xfrm>
+            <a:off x="4343400" y="3886200"/>
+            <a:ext cx="609600" cy="304800"/>
+          </a:xfrm>
+          <a:prstGeom prst="straightConnector1">
+            <a:avLst/>
+          </a:prstGeom>
+          <a:ln>
+            <a:tailEnd type="arrow"/>
+          </a:ln>
+        </p:spPr>
+        <p:style>
+          <a:lnRef idx="1">
+            <a:schemeClr val="accent1"/>
+          </a:lnRef>
+          <a:fillRef idx="0">
+            <a:schemeClr val="accent1"/>
+          </a:fillRef>
+          <a:effectRef idx="0">
+            <a:schemeClr val="accent1"/>
+          </a:effectRef>
+          <a:fontRef idx="minor">
+            <a:schemeClr val="tx1"/>
+          </a:fontRef>
+        </p:style>
+      </p:cxnSp>
+      <p:cxnSp>
+        <p:nvCxnSpPr>
+          <p:cNvPr id="25" name="Straight Arrow Connector 24"/>
+          <p:cNvCxnSpPr>
+            <a:stCxn id="10" idx="3"/>
+          </p:cNvCxnSpPr>
+          <p:nvPr/>
+        </p:nvCxnSpPr>
+        <p:spPr>
+          <a:xfrm>
+            <a:off x="4343400" y="3886200"/>
+            <a:ext cx="609600" cy="838200"/>
+          </a:xfrm>
+          <a:prstGeom prst="straightConnector1">
+            <a:avLst/>
+          </a:prstGeom>
+          <a:ln>
+            <a:tailEnd type="arrow"/>
+          </a:ln>
+        </p:spPr>
+        <p:style>
+          <a:lnRef idx="1">
+            <a:schemeClr val="accent1"/>
+          </a:lnRef>
+          <a:fillRef idx="0">
+            <a:schemeClr val="accent1"/>
+          </a:fillRef>
+          <a:effectRef idx="0">
+            <a:schemeClr val="accent1"/>
+          </a:effectRef>
+          <a:fontRef idx="minor">
+            <a:schemeClr val="tx1"/>
+          </a:fontRef>
+        </p:style>
+      </p:cxnSp>
+      <p:sp>
+        <p:nvSpPr>
+          <p:cNvPr id="28" name="Rectangle 27"/>
+          <p:cNvSpPr/>
+          <p:nvPr/>
+        </p:nvSpPr>
+        <p:spPr>
+          <a:xfrm>
+            <a:off x="6248400" y="3429000"/>
+            <a:ext cx="1447800" cy="876300"/>
+          </a:xfrm>
+          <a:prstGeom prst="rect">
+            <a:avLst/>
+          </a:prstGeom>
+        </p:spPr>
+        <p:style>
+          <a:lnRef idx="1">
+            <a:schemeClr val="accent1"/>
+          </a:lnRef>
+          <a:fillRef idx="2">
+            <a:schemeClr val="accent1"/>
+          </a:fillRef>
+          <a:effectRef idx="1">
+            <a:schemeClr val="accent1"/>
+          </a:effectRef>
+          <a:fontRef idx="minor">
+            <a:schemeClr val="dk1"/>
+          </a:fontRef>
+        </p:style>
+        <p:txBody>
+          <a:bodyPr rtlCol="0" anchor="ctr"/>
+          <a:lstStyle/>
+          <a:p>
+            <a:pPr algn="ctr"/>
+            <a:r>
+              <a:rPr lang="en-US" dirty="0" smtClean="0"/>
+              <a:t>Notification Table</a:t>
+            </a:r>
+            <a:endParaRPr lang="en-US" dirty="0"/>
+          </a:p>
+        </p:txBody>
+      </p:sp>
+      <p:cxnSp>
+        <p:nvCxnSpPr>
+          <p:cNvPr id="29" name="Straight Arrow Connector 28"/>
+          <p:cNvCxnSpPr>
+            <a:endCxn id="28" idx="1"/>
+          </p:cNvCxnSpPr>
+          <p:nvPr/>
+        </p:nvCxnSpPr>
+        <p:spPr>
+          <a:xfrm>
+            <a:off x="5372100" y="3124200"/>
+            <a:ext cx="876300" cy="742950"/>
+          </a:xfrm>
+          <a:prstGeom prst="straightConnector1">
+            <a:avLst/>
+          </a:prstGeom>
+          <a:ln>
+            <a:tailEnd type="arrow"/>
+          </a:ln>
+        </p:spPr>
+        <p:style>
+          <a:lnRef idx="1">
+            <a:schemeClr val="accent1"/>
+          </a:lnRef>
+          <a:fillRef idx="0">
+            <a:schemeClr val="accent1"/>
+          </a:fillRef>
+          <a:effectRef idx="0">
+            <a:schemeClr val="accent1"/>
+          </a:effectRef>
+          <a:fontRef idx="minor">
+            <a:schemeClr val="tx1"/>
+          </a:fontRef>
+        </p:style>
+      </p:cxnSp>
+      <p:cxnSp>
+        <p:nvCxnSpPr>
+          <p:cNvPr id="32" name="Straight Arrow Connector 31"/>
+          <p:cNvCxnSpPr/>
+          <p:nvPr/>
+        </p:nvCxnSpPr>
+        <p:spPr>
+          <a:xfrm>
+            <a:off x="5372100" y="3733800"/>
+            <a:ext cx="876300" cy="152400"/>
+          </a:xfrm>
+          <a:prstGeom prst="straightConnector1">
+            <a:avLst/>
+          </a:prstGeom>
+          <a:ln>
+            <a:tailEnd type="arrow"/>
+          </a:ln>
+        </p:spPr>
+        <p:style>
+          <a:lnRef idx="1">
+            <a:schemeClr val="accent1"/>
+          </a:lnRef>
+          <a:fillRef idx="0">
+            <a:schemeClr val="accent1"/>
+          </a:fillRef>
+          <a:effectRef idx="0">
+            <a:schemeClr val="accent1"/>
+          </a:effectRef>
+          <a:fontRef idx="minor">
+            <a:schemeClr val="tx1"/>
+          </a:fontRef>
+        </p:style>
+      </p:cxnSp>
+      <p:cxnSp>
+        <p:nvCxnSpPr>
+          <p:cNvPr id="36" name="Straight Arrow Connector 35"/>
+          <p:cNvCxnSpPr>
+            <a:endCxn id="28" idx="1"/>
+          </p:cNvCxnSpPr>
+          <p:nvPr/>
+        </p:nvCxnSpPr>
+        <p:spPr>
+          <a:xfrm flipV="1">
+            <a:off x="5372100" y="3867150"/>
+            <a:ext cx="876300" cy="171450"/>
+          </a:xfrm>
+          <a:prstGeom prst="straightConnector1">
+            <a:avLst/>
+          </a:prstGeom>
+          <a:ln>
+            <a:tailEnd type="arrow"/>
+          </a:ln>
+        </p:spPr>
+        <p:style>
+          <a:lnRef idx="1">
+            <a:schemeClr val="accent1"/>
+          </a:lnRef>
+          <a:fillRef idx="0">
+            <a:schemeClr val="accent1"/>
+          </a:fillRef>
+          <a:effectRef idx="0">
+            <a:schemeClr val="accent1"/>
+          </a:effectRef>
+          <a:fontRef idx="minor">
+            <a:schemeClr val="tx1"/>
+          </a:fontRef>
+        </p:style>
+      </p:cxnSp>
+      <p:cxnSp>
+        <p:nvCxnSpPr>
+          <p:cNvPr id="39" name="Straight Arrow Connector 38"/>
+          <p:cNvCxnSpPr>
+            <a:endCxn id="28" idx="1"/>
+          </p:cNvCxnSpPr>
+          <p:nvPr/>
+        </p:nvCxnSpPr>
+        <p:spPr>
+          <a:xfrm flipV="1">
+            <a:off x="5372100" y="3867150"/>
+            <a:ext cx="876300" cy="857250"/>
+          </a:xfrm>
+          <a:prstGeom prst="straightConnector1">
+            <a:avLst/>
+          </a:prstGeom>
+          <a:ln>
+            <a:tailEnd type="arrow"/>
+          </a:ln>
+        </p:spPr>
+        <p:style>
+          <a:lnRef idx="1">
+            <a:schemeClr val="accent1"/>
+          </a:lnRef>
+          <a:fillRef idx="0">
+            <a:schemeClr val="accent1"/>
+          </a:fillRef>
+          <a:effectRef idx="0">
+            <a:schemeClr val="accent1"/>
+          </a:effectRef>
+          <a:fontRef idx="minor">
+            <a:schemeClr val="tx1"/>
+          </a:fontRef>
+        </p:style>
+      </p:cxnSp>
     </p:spTree>
     <p:extLst>
       <p:ext uri="{BB962C8B-B14F-4D97-AF65-F5344CB8AC3E}">
-        <p14:creationId xmlns:p14="http://schemas.microsoft.com/office/powerpoint/2010/main" val="2092308203"/>
+        <p14:creationId xmlns:p14="http://schemas.microsoft.com/office/powerpoint/2010/main" val="339981701"/>
       </p:ext>
     </p:extLst>
   </p:cSld>
@@ -4077,7 +4577,7 @@
           <a:p>
             <a:r>
               <a:rPr lang="en-US" dirty="0" smtClean="0"/>
-              <a:t>User Session Management</a:t>
+              <a:t>Subscription Management</a:t>
             </a:r>
             <a:endParaRPr lang="en-US" dirty="0"/>
           </a:p>
@@ -4093,45 +4593,21 @@
             <p:ph idx="1"/>
           </p:nvPr>
         </p:nvSpPr>
-        <p:spPr>
-          <a:xfrm>
-            <a:off x="457200" y="1600200"/>
-            <a:ext cx="8229600" cy="4525963"/>
-          </a:xfrm>
-        </p:spPr>
+        <p:spPr/>
         <p:txBody>
           <a:bodyPr/>
           <a:lstStyle/>
           <a:p>
             <a:r>
               <a:rPr lang="en-US" dirty="0" smtClean="0"/>
-              <a:t>Fetches the list of </a:t>
-            </a:r>
-            <a:r>
-              <a:rPr lang="en-US" dirty="0"/>
-              <a:t>Notification enabled </a:t>
-            </a:r>
+              <a:t>Subscription Management filters the list of users and the delivery channels based on the subscription data </a:t>
+            </a:r>
+          </a:p>
+          <a:p>
             <a:r>
               <a:rPr lang="en-US" dirty="0" smtClean="0"/>
-              <a:t>applications where the user has logged in using SSO</a:t>
-            </a:r>
-          </a:p>
-          <a:p>
-            <a:r>
-              <a:rPr lang="en-US" dirty="0" smtClean="0"/>
-              <a:t>Fetches the details like user email, mobile number, IM id </a:t>
-            </a:r>
-            <a:r>
-              <a:rPr lang="en-US" dirty="0" err="1" smtClean="0"/>
-              <a:t>etc</a:t>
-            </a:r>
-            <a:r>
-              <a:rPr lang="en-US" dirty="0" smtClean="0"/>
-              <a:t> from LDAP.</a:t>
-            </a:r>
-          </a:p>
-          <a:p>
-            <a:endParaRPr lang="en-US" dirty="0" smtClean="0"/>
+              <a:t>A User may have preferences for notification delivery based on its type and priority</a:t>
+            </a:r>
           </a:p>
           <a:p>
             <a:endParaRPr lang="en-US" dirty="0"/>
@@ -4153,9 +4629,9 @@
           <a:bodyPr/>
           <a:lstStyle/>
           <a:p>
-            <a:fld id="{C42B308A-7D25-49F5-ADC0-D3CAD31E3E89}" type="datetime1">
-              <a:rPr lang="en-US" smtClean="0"/>
-              <a:t>11/28/2016</a:t>
+            <a:fld id="{146985E0-2BC5-4723-92C3-E665C1A3D782}" type="datetime1">
+              <a:rPr lang="en-US" smtClean="0"/>
+              <a:t>11/29/2016</a:t>
             </a:fld>
             <a:endParaRPr lang="en-US"/>
           </a:p>
@@ -4188,7 +4664,7 @@
     </p:spTree>
     <p:extLst>
       <p:ext uri="{BB962C8B-B14F-4D97-AF65-F5344CB8AC3E}">
-        <p14:creationId xmlns:p14="http://schemas.microsoft.com/office/powerpoint/2010/main" val="3167909834"/>
+        <p14:creationId xmlns:p14="http://schemas.microsoft.com/office/powerpoint/2010/main" val="2092308203"/>
       </p:ext>
     </p:extLst>
   </p:cSld>
@@ -4232,7 +4708,7 @@
           <a:p>
             <a:r>
               <a:rPr lang="en-US" dirty="0" smtClean="0"/>
-              <a:t>Message Formatter</a:t>
+              <a:t>User Session Management</a:t>
             </a:r>
             <a:endParaRPr lang="en-US" dirty="0"/>
           </a:p>
@@ -4248,21 +4724,39 @@
             <p:ph idx="1"/>
           </p:nvPr>
         </p:nvSpPr>
-        <p:spPr/>
+        <p:spPr>
+          <a:xfrm>
+            <a:off x="457200" y="1600200"/>
+            <a:ext cx="8229600" cy="4525963"/>
+          </a:xfrm>
+        </p:spPr>
         <p:txBody>
           <a:bodyPr/>
           <a:lstStyle/>
           <a:p>
             <a:r>
               <a:rPr lang="en-US" dirty="0" smtClean="0"/>
-              <a:t>Formats the Notification message based on the type of event and the delivery channel</a:t>
-            </a:r>
-          </a:p>
-          <a:p>
+              <a:t>Fetches the list of </a:t>
+            </a:r>
+            <a:r>
+              <a:rPr lang="en-US" dirty="0"/>
+              <a:t>Notification enabled </a:t>
+            </a:r>
             <a:r>
               <a:rPr lang="en-US" dirty="0" smtClean="0"/>
-              <a:t>Uses the user data from User Session Management</a:t>
-            </a:r>
+              <a:t>applications where the user has logged in using SSO</a:t>
+            </a:r>
+          </a:p>
+          <a:p>
+            <a:r>
+              <a:rPr lang="en-US" dirty="0" smtClean="0"/>
+              <a:t>Fetches the details like user email, mobile number, IM id etc. from LDAP.</a:t>
+            </a:r>
+          </a:p>
+          <a:p>
+            <a:endParaRPr lang="en-US" dirty="0" smtClean="0"/>
+          </a:p>
+          <a:p>
             <a:endParaRPr lang="en-US" dirty="0"/>
           </a:p>
         </p:txBody>
@@ -4282,9 +4776,9 @@
           <a:bodyPr/>
           <a:lstStyle/>
           <a:p>
-            <a:fld id="{9437D556-B4F0-4ACC-8A82-47C12FFF4831}" type="datetime1">
-              <a:rPr lang="en-US" smtClean="0"/>
-              <a:t>11/28/2016</a:t>
+            <a:fld id="{C42B308A-7D25-49F5-ADC0-D3CAD31E3E89}" type="datetime1">
+              <a:rPr lang="en-US" smtClean="0"/>
+              <a:t>11/29/2016</a:t>
             </a:fld>
             <a:endParaRPr lang="en-US"/>
           </a:p>
@@ -4317,7 +4811,7 @@
     </p:spTree>
     <p:extLst>
       <p:ext uri="{BB962C8B-B14F-4D97-AF65-F5344CB8AC3E}">
-        <p14:creationId xmlns:p14="http://schemas.microsoft.com/office/powerpoint/2010/main" val="2412562881"/>
+        <p14:creationId xmlns:p14="http://schemas.microsoft.com/office/powerpoint/2010/main" val="3167909834"/>
       </p:ext>
     </p:extLst>
   </p:cSld>
@@ -4361,7 +4855,7 @@
           <a:p>
             <a:r>
               <a:rPr lang="en-US" dirty="0" smtClean="0"/>
-              <a:t>Delivery Channels</a:t>
+              <a:t>Message Formatter</a:t>
             </a:r>
             <a:endParaRPr lang="en-US" dirty="0"/>
           </a:p>
@@ -4384,30 +4878,13 @@
           <a:p>
             <a:r>
               <a:rPr lang="en-US" dirty="0" smtClean="0"/>
-              <a:t>Notifications can be delivered through several channels.</a:t>
+              <a:t>Formats the Notification message based on the type of event and the delivery channel</a:t>
             </a:r>
           </a:p>
           <a:p>
             <a:r>
               <a:rPr lang="en-US" dirty="0" smtClean="0"/>
-              <a:t>Delivery Channels invoke a Callback to report the successes and failures of the </a:t>
-            </a:r>
-            <a:r>
-              <a:rPr lang="en-US" smtClean="0"/>
-              <a:t>individual notifications.</a:t>
-            </a:r>
-            <a:endParaRPr lang="en-US" dirty="0" smtClean="0"/>
-          </a:p>
-          <a:p>
-            <a:r>
-              <a:rPr lang="en-US" dirty="0" smtClean="0"/>
-              <a:t>Some channels have standard protocols to send the notification. This includes the SMS, email and Instant Messenger</a:t>
-            </a:r>
-          </a:p>
-          <a:p>
-            <a:r>
-              <a:rPr lang="en-US" dirty="0" smtClean="0"/>
-              <a:t>Some channels require the destination to be enabled for notifications. This includes Web applications and server based mobile applications. </a:t>
+              <a:t>Uses the user data from User Session Management</a:t>
             </a:r>
             <a:endParaRPr lang="en-US" dirty="0"/>
           </a:p>
@@ -4428,9 +4905,9 @@
           <a:bodyPr/>
           <a:lstStyle/>
           <a:p>
-            <a:fld id="{F339E17B-AFB2-45B0-BC07-2B968F5F131E}" type="datetime1">
-              <a:rPr lang="en-US" smtClean="0"/>
-              <a:t>11/28/2016</a:t>
+            <a:fld id="{9437D556-B4F0-4ACC-8A82-47C12FFF4831}" type="datetime1">
+              <a:rPr lang="en-US" smtClean="0"/>
+              <a:t>11/29/2016</a:t>
             </a:fld>
             <a:endParaRPr lang="en-US"/>
           </a:p>
@@ -4463,7 +4940,507 @@
     </p:spTree>
     <p:extLst>
       <p:ext uri="{BB962C8B-B14F-4D97-AF65-F5344CB8AC3E}">
+        <p14:creationId xmlns:p14="http://schemas.microsoft.com/office/powerpoint/2010/main" val="2412562881"/>
+      </p:ext>
+    </p:extLst>
+  </p:cSld>
+  <p:clrMapOvr>
+    <a:masterClrMapping/>
+  </p:clrMapOvr>
+</p:sld>
+</file>
+
+<file path=ppt/slides/slide14.xml><?xml version="1.0" encoding="utf-8"?>
+<p:sld xmlns:a="http://schemas.openxmlformats.org/drawingml/2006/main" xmlns:r="http://schemas.openxmlformats.org/officeDocument/2006/relationships" xmlns:p="http://schemas.openxmlformats.org/presentationml/2006/main">
+  <p:cSld>
+    <p:spTree>
+      <p:nvGrpSpPr>
+        <p:cNvPr id="1" name=""/>
+        <p:cNvGrpSpPr/>
+        <p:nvPr/>
+      </p:nvGrpSpPr>
+      <p:grpSpPr>
+        <a:xfrm>
+          <a:off x="0" y="0"/>
+          <a:ext cx="0" cy="0"/>
+          <a:chOff x="0" y="0"/>
+          <a:chExt cx="0" cy="0"/>
+        </a:xfrm>
+      </p:grpSpPr>
+      <p:sp>
+        <p:nvSpPr>
+          <p:cNvPr id="2" name="Title 1"/>
+          <p:cNvSpPr>
+            <a:spLocks noGrp="1"/>
+          </p:cNvSpPr>
+          <p:nvPr>
+            <p:ph type="title"/>
+          </p:nvPr>
+        </p:nvSpPr>
+        <p:spPr/>
+        <p:txBody>
+          <a:bodyPr/>
+          <a:lstStyle/>
+          <a:p>
+            <a:r>
+              <a:rPr lang="en-US" dirty="0" smtClean="0"/>
+              <a:t>Delivery Channels</a:t>
+            </a:r>
+            <a:endParaRPr lang="en-US" dirty="0"/>
+          </a:p>
+        </p:txBody>
+      </p:sp>
+      <p:sp>
+        <p:nvSpPr>
+          <p:cNvPr id="3" name="Content Placeholder 2"/>
+          <p:cNvSpPr>
+            <a:spLocks noGrp="1"/>
+          </p:cNvSpPr>
+          <p:nvPr>
+            <p:ph idx="1"/>
+          </p:nvPr>
+        </p:nvSpPr>
+        <p:spPr/>
+        <p:txBody>
+          <a:bodyPr/>
+          <a:lstStyle/>
+          <a:p>
+            <a:r>
+              <a:rPr lang="en-US" dirty="0" smtClean="0"/>
+              <a:t>Notifications can be delivered through several channels.</a:t>
+            </a:r>
+          </a:p>
+          <a:p>
+            <a:r>
+              <a:rPr lang="en-US" dirty="0" smtClean="0"/>
+              <a:t>Delivery Channels invoke a Callback to report the successes and failures of the </a:t>
+            </a:r>
+            <a:r>
+              <a:rPr lang="en-US" smtClean="0"/>
+              <a:t>individual notifications.</a:t>
+            </a:r>
+            <a:endParaRPr lang="en-US" dirty="0" smtClean="0"/>
+          </a:p>
+          <a:p>
+            <a:r>
+              <a:rPr lang="en-US" dirty="0" smtClean="0"/>
+              <a:t>Some channels have standard protocols to send the notification. This includes the SMS, email and Instant Messenger</a:t>
+            </a:r>
+          </a:p>
+          <a:p>
+            <a:r>
+              <a:rPr lang="en-US" dirty="0" smtClean="0"/>
+              <a:t>Some channels require the destination to be enabled for notifications. This includes Web applications and server based mobile applications. </a:t>
+            </a:r>
+            <a:endParaRPr lang="en-US" dirty="0"/>
+          </a:p>
+        </p:txBody>
+      </p:sp>
+      <p:sp>
+        <p:nvSpPr>
+          <p:cNvPr id="4" name="Date Placeholder 3"/>
+          <p:cNvSpPr>
+            <a:spLocks noGrp="1"/>
+          </p:cNvSpPr>
+          <p:nvPr>
+            <p:ph type="dt" sz="half" idx="10"/>
+          </p:nvPr>
+        </p:nvSpPr>
+        <p:spPr/>
+        <p:txBody>
+          <a:bodyPr/>
+          <a:lstStyle/>
+          <a:p>
+            <a:fld id="{F339E17B-AFB2-45B0-BC07-2B968F5F131E}" type="datetime1">
+              <a:rPr lang="en-US" smtClean="0"/>
+              <a:t>11/29/2016</a:t>
+            </a:fld>
+            <a:endParaRPr lang="en-US"/>
+          </a:p>
+        </p:txBody>
+      </p:sp>
+      <p:sp>
+        <p:nvSpPr>
+          <p:cNvPr id="5" name="Slide Number Placeholder 4"/>
+          <p:cNvSpPr>
+            <a:spLocks noGrp="1"/>
+          </p:cNvSpPr>
+          <p:nvPr>
+            <p:ph type="sldNum" sz="quarter" idx="12"/>
+          </p:nvPr>
+        </p:nvSpPr>
+        <p:spPr/>
+        <p:txBody>
+          <a:bodyPr/>
+          <a:lstStyle/>
+          <a:p>
+            <a:fld id="{B6F15528-21DE-4FAA-801E-634DDDAF4B2B}" type="slidenum">
+              <a:rPr lang="en-US" smtClean="0"/>
+              <a:pPr/>
+              <a:t>14</a:t>
+            </a:fld>
+            <a:endParaRPr lang="en-US"/>
+          </a:p>
+        </p:txBody>
+      </p:sp>
+    </p:spTree>
+    <p:extLst>
+      <p:ext uri="{BB962C8B-B14F-4D97-AF65-F5344CB8AC3E}">
         <p14:creationId xmlns:p14="http://schemas.microsoft.com/office/powerpoint/2010/main" val="3271403614"/>
+      </p:ext>
+    </p:extLst>
+  </p:cSld>
+  <p:clrMapOvr>
+    <a:masterClrMapping/>
+  </p:clrMapOvr>
+</p:sld>
+</file>
+
+<file path=ppt/slides/slide15.xml><?xml version="1.0" encoding="utf-8"?>
+<p:sld xmlns:a="http://schemas.openxmlformats.org/drawingml/2006/main" xmlns:r="http://schemas.openxmlformats.org/officeDocument/2006/relationships" xmlns:p="http://schemas.openxmlformats.org/presentationml/2006/main">
+  <p:cSld>
+    <p:spTree>
+      <p:nvGrpSpPr>
+        <p:cNvPr id="1" name=""/>
+        <p:cNvGrpSpPr/>
+        <p:nvPr/>
+      </p:nvGrpSpPr>
+      <p:grpSpPr>
+        <a:xfrm>
+          <a:off x="0" y="0"/>
+          <a:ext cx="0" cy="0"/>
+          <a:chOff x="0" y="0"/>
+          <a:chExt cx="0" cy="0"/>
+        </a:xfrm>
+      </p:grpSpPr>
+      <p:sp>
+        <p:nvSpPr>
+          <p:cNvPr id="2" name="Title 1"/>
+          <p:cNvSpPr>
+            <a:spLocks noGrp="1"/>
+          </p:cNvSpPr>
+          <p:nvPr>
+            <p:ph type="title"/>
+          </p:nvPr>
+        </p:nvSpPr>
+        <p:spPr/>
+        <p:txBody>
+          <a:bodyPr/>
+          <a:lstStyle/>
+          <a:p>
+            <a:r>
+              <a:rPr lang="en-US" dirty="0" smtClean="0"/>
+              <a:t>Deployment Environment</a:t>
+            </a:r>
+            <a:endParaRPr lang="en-US" dirty="0"/>
+          </a:p>
+        </p:txBody>
+      </p:sp>
+      <p:sp>
+        <p:nvSpPr>
+          <p:cNvPr id="3" name="Content Placeholder 2"/>
+          <p:cNvSpPr>
+            <a:spLocks noGrp="1"/>
+          </p:cNvSpPr>
+          <p:nvPr>
+            <p:ph idx="1"/>
+          </p:nvPr>
+        </p:nvSpPr>
+        <p:spPr/>
+        <p:txBody>
+          <a:bodyPr>
+            <a:normAutofit/>
+          </a:bodyPr>
+          <a:lstStyle/>
+          <a:p>
+            <a:pPr marL="0" indent="0">
+              <a:buNone/>
+            </a:pPr>
+            <a:r>
+              <a:rPr lang="en-US" sz="1800" dirty="0" smtClean="0"/>
+              <a:t>Setup: A load balanced cluster setup. The load balancer fronting the application is configured with </a:t>
+            </a:r>
+            <a:r>
+              <a:rPr lang="en-US" sz="1800" dirty="0"/>
+              <a:t>more than one </a:t>
+            </a:r>
+            <a:r>
+              <a:rPr lang="en-US" sz="1800" dirty="0" smtClean="0"/>
+              <a:t>end-point so that it can effectively route the traffic to one or the other.</a:t>
+            </a:r>
+          </a:p>
+          <a:p>
+            <a:r>
+              <a:rPr lang="en-US" sz="1600" u="sng" dirty="0" smtClean="0"/>
+              <a:t>Late Binding</a:t>
+            </a:r>
+            <a:r>
+              <a:rPr lang="en-US" sz="1600" dirty="0" smtClean="0"/>
+              <a:t>: The new version of the software is deployed on the node without binding and starting the connector while the older version is still bound and running. Once the new version is started, the new version can be bound and the old version be unbound by two commands causing delay of few seconds in switching. </a:t>
+            </a:r>
+          </a:p>
+          <a:p>
+            <a:r>
+              <a:rPr lang="en-US" sz="1600" u="sng" dirty="0" smtClean="0"/>
+              <a:t>Port Reuse</a:t>
+            </a:r>
+            <a:r>
+              <a:rPr lang="en-US" sz="1600" dirty="0" smtClean="0"/>
+              <a:t>: </a:t>
+            </a:r>
+            <a:r>
+              <a:rPr lang="en-US" sz="1600" dirty="0"/>
+              <a:t>The </a:t>
+            </a:r>
+            <a:r>
+              <a:rPr lang="en-US" sz="1600" dirty="0" smtClean="0"/>
+              <a:t>SO_REUSEPORT option lets </a:t>
+            </a:r>
+            <a:r>
+              <a:rPr lang="en-US" sz="1600" dirty="0"/>
+              <a:t>two (or more) processes bind to the same port, provided the application that bound the first process had this option set while </a:t>
+            </a:r>
+            <a:r>
+              <a:rPr lang="en-US" sz="1600" dirty="0" smtClean="0"/>
+              <a:t>binding. </a:t>
+            </a:r>
+          </a:p>
+          <a:p>
+            <a:pPr marL="0" indent="0">
+              <a:buNone/>
+            </a:pPr>
+            <a:endParaRPr lang="en-US" sz="1800" dirty="0" smtClean="0"/>
+          </a:p>
+          <a:p>
+            <a:pPr marL="0" indent="0">
+              <a:buNone/>
+            </a:pPr>
+            <a:r>
+              <a:rPr lang="en-US" sz="1800" dirty="0" smtClean="0"/>
+              <a:t>By </a:t>
+            </a:r>
+            <a:r>
+              <a:rPr lang="en-US" sz="1800" dirty="0"/>
+              <a:t>combining late binding and port reuse, we can effectively achieve zero downtime. By having a standby process around, we will be able to do an instant rollback.</a:t>
+            </a:r>
+          </a:p>
+        </p:txBody>
+      </p:sp>
+      <p:sp>
+        <p:nvSpPr>
+          <p:cNvPr id="4" name="Date Placeholder 3"/>
+          <p:cNvSpPr>
+            <a:spLocks noGrp="1"/>
+          </p:cNvSpPr>
+          <p:nvPr>
+            <p:ph type="dt" sz="half" idx="10"/>
+          </p:nvPr>
+        </p:nvSpPr>
+        <p:spPr/>
+        <p:txBody>
+          <a:bodyPr/>
+          <a:lstStyle/>
+          <a:p>
+            <a:fld id="{B43F10E8-0F81-437F-BBEA-DF5025DBEEC1}" type="datetime1">
+              <a:rPr lang="en-US" smtClean="0"/>
+              <a:t>11/29/2016</a:t>
+            </a:fld>
+            <a:endParaRPr lang="en-US"/>
+          </a:p>
+        </p:txBody>
+      </p:sp>
+      <p:sp>
+        <p:nvSpPr>
+          <p:cNvPr id="5" name="Slide Number Placeholder 4"/>
+          <p:cNvSpPr>
+            <a:spLocks noGrp="1"/>
+          </p:cNvSpPr>
+          <p:nvPr>
+            <p:ph type="sldNum" sz="quarter" idx="12"/>
+          </p:nvPr>
+        </p:nvSpPr>
+        <p:spPr/>
+        <p:txBody>
+          <a:bodyPr/>
+          <a:lstStyle/>
+          <a:p>
+            <a:fld id="{B6F15528-21DE-4FAA-801E-634DDDAF4B2B}" type="slidenum">
+              <a:rPr lang="en-US" smtClean="0"/>
+              <a:pPr/>
+              <a:t>15</a:t>
+            </a:fld>
+            <a:endParaRPr lang="en-US"/>
+          </a:p>
+        </p:txBody>
+      </p:sp>
+    </p:spTree>
+    <p:extLst>
+      <p:ext uri="{BB962C8B-B14F-4D97-AF65-F5344CB8AC3E}">
+        <p14:creationId xmlns:p14="http://schemas.microsoft.com/office/powerpoint/2010/main" val="1739047672"/>
+      </p:ext>
+    </p:extLst>
+  </p:cSld>
+  <p:clrMapOvr>
+    <a:masterClrMapping/>
+  </p:clrMapOvr>
+</p:sld>
+</file>
+
+<file path=ppt/slides/slide16.xml><?xml version="1.0" encoding="utf-8"?>
+<p:sld xmlns:a="http://schemas.openxmlformats.org/drawingml/2006/main" xmlns:r="http://schemas.openxmlformats.org/officeDocument/2006/relationships" xmlns:p="http://schemas.openxmlformats.org/presentationml/2006/main">
+  <p:cSld>
+    <p:spTree>
+      <p:nvGrpSpPr>
+        <p:cNvPr id="1" name=""/>
+        <p:cNvGrpSpPr/>
+        <p:nvPr/>
+      </p:nvGrpSpPr>
+      <p:grpSpPr>
+        <a:xfrm>
+          <a:off x="0" y="0"/>
+          <a:ext cx="0" cy="0"/>
+          <a:chOff x="0" y="0"/>
+          <a:chExt cx="0" cy="0"/>
+        </a:xfrm>
+      </p:grpSpPr>
+      <p:sp>
+        <p:nvSpPr>
+          <p:cNvPr id="6" name="Title 5"/>
+          <p:cNvSpPr>
+            <a:spLocks noGrp="1"/>
+          </p:cNvSpPr>
+          <p:nvPr>
+            <p:ph type="title"/>
+          </p:nvPr>
+        </p:nvSpPr>
+        <p:spPr/>
+        <p:txBody>
+          <a:bodyPr/>
+          <a:lstStyle/>
+          <a:p>
+            <a:r>
+              <a:rPr lang="en-US" dirty="0" smtClean="0"/>
+              <a:t>Data Model</a:t>
+            </a:r>
+            <a:endParaRPr lang="en-US" dirty="0"/>
+          </a:p>
+        </p:txBody>
+      </p:sp>
+      <p:sp>
+        <p:nvSpPr>
+          <p:cNvPr id="4" name="Date Placeholder 3"/>
+          <p:cNvSpPr>
+            <a:spLocks noGrp="1"/>
+          </p:cNvSpPr>
+          <p:nvPr>
+            <p:ph type="dt" sz="half" idx="10"/>
+          </p:nvPr>
+        </p:nvSpPr>
+        <p:spPr/>
+        <p:txBody>
+          <a:bodyPr/>
+          <a:lstStyle/>
+          <a:p>
+            <a:fld id="{B43F10E8-0F81-437F-BBEA-DF5025DBEEC1}" type="datetime1">
+              <a:rPr lang="en-US" smtClean="0"/>
+              <a:t>11/29/2016</a:t>
+            </a:fld>
+            <a:endParaRPr lang="en-US"/>
+          </a:p>
+        </p:txBody>
+      </p:sp>
+      <p:sp>
+        <p:nvSpPr>
+          <p:cNvPr id="5" name="Slide Number Placeholder 4"/>
+          <p:cNvSpPr>
+            <a:spLocks noGrp="1"/>
+          </p:cNvSpPr>
+          <p:nvPr>
+            <p:ph type="sldNum" sz="quarter" idx="12"/>
+          </p:nvPr>
+        </p:nvSpPr>
+        <p:spPr/>
+        <p:txBody>
+          <a:bodyPr/>
+          <a:lstStyle/>
+          <a:p>
+            <a:fld id="{B6F15528-21DE-4FAA-801E-634DDDAF4B2B}" type="slidenum">
+              <a:rPr lang="en-US" smtClean="0"/>
+              <a:pPr/>
+              <a:t>16</a:t>
+            </a:fld>
+            <a:endParaRPr lang="en-US"/>
+          </a:p>
+        </p:txBody>
+      </p:sp>
+      <p:pic>
+        <p:nvPicPr>
+          <p:cNvPr id="1026" name="Picture 2"/>
+          <p:cNvPicPr>
+            <a:picLocks noChangeAspect="1" noChangeArrowheads="1"/>
+          </p:cNvPicPr>
+          <p:nvPr/>
+        </p:nvPicPr>
+        <p:blipFill>
+          <a:blip r:embed="rId2">
+            <a:extLst>
+              <a:ext uri="{28A0092B-C50C-407E-A947-70E740481C1C}">
+                <a14:useLocalDpi xmlns:a14="http://schemas.microsoft.com/office/drawing/2010/main" val="0"/>
+              </a:ext>
+            </a:extLst>
+          </a:blip>
+          <a:srcRect/>
+          <a:stretch>
+            <a:fillRect/>
+          </a:stretch>
+        </p:blipFill>
+        <p:spPr bwMode="auto">
+          <a:xfrm>
+            <a:off x="762000" y="2057400"/>
+            <a:ext cx="7400925" cy="4010025"/>
+          </a:xfrm>
+          <a:prstGeom prst="rect">
+            <a:avLst/>
+          </a:prstGeom>
+          <a:noFill/>
+          <a:ln>
+            <a:noFill/>
+          </a:ln>
+          <a:effectLst/>
+          <a:extLst>
+            <a:ext uri="{909E8E84-426E-40DD-AFC4-6F175D3DCCD1}">
+              <a14:hiddenFill xmlns:a14="http://schemas.microsoft.com/office/drawing/2010/main">
+                <a:solidFill>
+                  <a:schemeClr val="accent1"/>
+                </a:solidFill>
+              </a14:hiddenFill>
+            </a:ext>
+            <a:ext uri="{91240B29-F687-4F45-9708-019B960494DF}">
+              <a14:hiddenLine xmlns:a14="http://schemas.microsoft.com/office/drawing/2010/main" w="9525">
+                <a:solidFill>
+                  <a:schemeClr val="tx1"/>
+                </a:solidFill>
+                <a:miter lim="800000"/>
+                <a:headEnd/>
+                <a:tailEnd/>
+              </a14:hiddenLine>
+            </a:ext>
+            <a:ext uri="{AF507438-7753-43E0-B8FC-AC1667EBCBE1}">
+              <a14:hiddenEffects xmlns:a14="http://schemas.microsoft.com/office/drawing/2010/main">
+                <a:effectLst>
+                  <a:outerShdw dist="35921" dir="2700000" algn="ctr" rotWithShape="0">
+                    <a:schemeClr val="bg2"/>
+                  </a:outerShdw>
+                </a:effectLst>
+              </a14:hiddenEffects>
+            </a:ext>
+          </a:extLst>
+        </p:spPr>
+      </p:pic>
+    </p:spTree>
+    <p:extLst>
+      <p:ext uri="{BB962C8B-B14F-4D97-AF65-F5344CB8AC3E}">
+        <p14:creationId xmlns:p14="http://schemas.microsoft.com/office/powerpoint/2010/main" val="1305766411"/>
       </p:ext>
     </p:extLst>
   </p:cSld>
@@ -4542,10 +5519,63 @@
           <a:p>
             <a:r>
               <a:rPr lang="en-US" dirty="0" smtClean="0"/>
-              <a:t>System Architecture</a:t>
-            </a:r>
-          </a:p>
-          <a:p>
+              <a:t>Software Architecture</a:t>
+            </a:r>
+          </a:p>
+          <a:p>
+            <a:pPr lvl="1"/>
+            <a:r>
+              <a:rPr lang="en-US" dirty="0" smtClean="0"/>
+              <a:t>Event Producers</a:t>
+            </a:r>
+          </a:p>
+          <a:p>
+            <a:pPr lvl="1"/>
+            <a:r>
+              <a:rPr lang="en-US" dirty="0" smtClean="0"/>
+              <a:t>Event Store</a:t>
+            </a:r>
+          </a:p>
+          <a:p>
+            <a:pPr lvl="1"/>
+            <a:r>
+              <a:rPr lang="en-US" dirty="0" smtClean="0"/>
+              <a:t>Event Processor</a:t>
+            </a:r>
+          </a:p>
+          <a:p>
+            <a:pPr lvl="1"/>
+            <a:r>
+              <a:rPr lang="en-US" dirty="0" smtClean="0"/>
+              <a:t>Subscription Management</a:t>
+            </a:r>
+          </a:p>
+          <a:p>
+            <a:pPr lvl="1"/>
+            <a:r>
+              <a:rPr lang="en-US" dirty="0" smtClean="0"/>
+              <a:t>User Session Management</a:t>
+            </a:r>
+          </a:p>
+          <a:p>
+            <a:pPr lvl="1"/>
+            <a:r>
+              <a:rPr lang="en-US" dirty="0" smtClean="0"/>
+              <a:t>Message Formatter</a:t>
+            </a:r>
+          </a:p>
+          <a:p>
+            <a:pPr lvl="1"/>
+            <a:r>
+              <a:rPr lang="en-US" dirty="0" smtClean="0"/>
+              <a:t>Delivery Channels</a:t>
+            </a:r>
+          </a:p>
+          <a:p>
+            <a:r>
+              <a:rPr lang="en-US" dirty="0" smtClean="0"/>
+              <a:t>Deployment Environment</a:t>
+            </a:r>
             <a:endParaRPr lang="en-US" dirty="0"/>
           </a:p>
         </p:txBody>
@@ -4567,7 +5597,7 @@
           <a:p>
             <a:fld id="{B8921B17-BB7D-4DD4-B7DD-8EC3C414C5BE}" type="datetime1">
               <a:rPr lang="en-US" smtClean="0"/>
-              <a:t>11/28/2016</a:t>
+              <a:t>11/29/2016</a:t>
             </a:fld>
             <a:endParaRPr lang="en-US"/>
           </a:p>
@@ -4729,7 +5759,7 @@
           <a:p>
             <a:fld id="{387B50B3-2ECF-4AA6-967D-7ADDBFD715E6}" type="datetime1">
               <a:rPr lang="en-US" smtClean="0"/>
-              <a:t>11/28/2016</a:t>
+              <a:t>11/29/2016</a:t>
             </a:fld>
             <a:endParaRPr lang="en-US"/>
           </a:p>
@@ -4839,6 +5869,12 @@
             </a:r>
           </a:p>
           <a:p>
+            <a:r>
+              <a:rPr lang="en-US" dirty="0" smtClean="0"/>
+              <a:t>Zero Downtime Upgrades</a:t>
+            </a:r>
+          </a:p>
+          <a:p>
             <a:endParaRPr lang="en-US" dirty="0" smtClean="0"/>
           </a:p>
           <a:p>
@@ -4866,7 +5902,7 @@
           <a:p>
             <a:fld id="{1A4F0CA8-811D-4752-85FF-9926151A4091}" type="datetime1">
               <a:rPr lang="en-US" smtClean="0"/>
-              <a:t>11/28/2016</a:t>
+              <a:t>11/29/2016</a:t>
             </a:fld>
             <a:endParaRPr lang="en-US"/>
           </a:p>
@@ -4957,7 +5993,7 @@
         </p:nvSpPr>
         <p:spPr>
           <a:xfrm>
-            <a:off x="990600" y="2057400"/>
+            <a:off x="685800" y="2057400"/>
             <a:ext cx="1676400" cy="1981200"/>
           </a:xfrm>
           <a:prstGeom prst="roundRect">
@@ -5001,7 +6037,7 @@
         </p:nvSpPr>
         <p:spPr>
           <a:xfrm>
-            <a:off x="1066800" y="2514600"/>
+            <a:off x="762000" y="2514600"/>
             <a:ext cx="1524000" cy="533400"/>
           </a:xfrm>
           <a:prstGeom prst="roundRect">
@@ -5045,7 +6081,7 @@
         </p:nvSpPr>
         <p:spPr>
           <a:xfrm rot="16200000">
-            <a:off x="2461473" y="2789886"/>
+            <a:off x="2156673" y="2789886"/>
             <a:ext cx="1981200" cy="516228"/>
           </a:xfrm>
           <a:prstGeom prst="roundRect">
@@ -5089,7 +6125,7 @@
         </p:nvSpPr>
         <p:spPr>
           <a:xfrm>
-            <a:off x="4257541" y="2057400"/>
+            <a:off x="3810000" y="2057400"/>
             <a:ext cx="1676400" cy="1143000"/>
           </a:xfrm>
           <a:prstGeom prst="roundRect">
@@ -5133,7 +6169,7 @@
         </p:nvSpPr>
         <p:spPr>
           <a:xfrm rot="16200000">
-            <a:off x="3801413" y="4123385"/>
+            <a:off x="3353872" y="4123385"/>
             <a:ext cx="1447803" cy="516228"/>
           </a:xfrm>
           <a:prstGeom prst="roundRect">
@@ -5180,7 +6216,7 @@
         </p:nvCxnSpPr>
         <p:spPr>
           <a:xfrm>
-            <a:off x="2667000" y="3048000"/>
+            <a:off x="2362200" y="3048000"/>
             <a:ext cx="526959" cy="0"/>
           </a:xfrm>
           <a:prstGeom prst="straightConnector1">
@@ -5214,8 +6250,8 @@
         </p:nvCxnSpPr>
         <p:spPr>
           <a:xfrm>
-            <a:off x="3730582" y="2622461"/>
-            <a:ext cx="526959" cy="0"/>
+            <a:off x="3425782" y="2622461"/>
+            <a:ext cx="384218" cy="0"/>
           </a:xfrm>
           <a:prstGeom prst="straightConnector1">
             <a:avLst/>
@@ -5250,7 +6286,7 @@
         </p:nvCxnSpPr>
         <p:spPr>
           <a:xfrm>
-            <a:off x="4525315" y="3251911"/>
+            <a:off x="4077774" y="3251911"/>
             <a:ext cx="0" cy="405687"/>
           </a:xfrm>
           <a:prstGeom prst="straightConnector1">
@@ -5285,7 +6321,7 @@
         </p:nvCxnSpPr>
         <p:spPr>
           <a:xfrm>
-            <a:off x="5134914" y="3251911"/>
+            <a:off x="4687373" y="3251911"/>
             <a:ext cx="1" cy="405688"/>
           </a:xfrm>
           <a:prstGeom prst="straightConnector1">
@@ -5319,7 +6355,7 @@
         </p:nvSpPr>
         <p:spPr>
           <a:xfrm rot="16200000">
-            <a:off x="4411013" y="4123386"/>
+            <a:off x="3963472" y="4123386"/>
             <a:ext cx="1447803" cy="516228"/>
           </a:xfrm>
           <a:prstGeom prst="roundRect">
@@ -5363,7 +6399,7 @@
         </p:nvSpPr>
         <p:spPr>
           <a:xfrm>
-            <a:off x="6477000" y="2034861"/>
+            <a:off x="6781800" y="2034861"/>
             <a:ext cx="1676400" cy="2460936"/>
           </a:xfrm>
           <a:prstGeom prst="roundRect">
@@ -5407,8 +6443,8 @@
         </p:nvCxnSpPr>
         <p:spPr>
           <a:xfrm>
-            <a:off x="5933941" y="2622461"/>
-            <a:ext cx="526959" cy="0"/>
+            <a:off x="5486400" y="2622461"/>
+            <a:ext cx="263479" cy="6439"/>
           </a:xfrm>
           <a:prstGeom prst="straightConnector1">
             <a:avLst/>
@@ -5441,7 +6477,7 @@
         </p:nvSpPr>
         <p:spPr>
           <a:xfrm>
-            <a:off x="6629400" y="4152900"/>
+            <a:off x="6934200" y="4152900"/>
             <a:ext cx="1447800" cy="266700"/>
           </a:xfrm>
           <a:prstGeom prst="roundRect">
@@ -5485,7 +6521,7 @@
         </p:nvSpPr>
         <p:spPr>
           <a:xfrm>
-            <a:off x="6629400" y="3009900"/>
+            <a:off x="6934200" y="3009900"/>
             <a:ext cx="1447800" cy="266700"/>
           </a:xfrm>
           <a:prstGeom prst="roundRect">
@@ -5529,7 +6565,7 @@
         </p:nvSpPr>
         <p:spPr>
           <a:xfrm>
-            <a:off x="6629400" y="3390900"/>
+            <a:off x="6934200" y="3390900"/>
             <a:ext cx="1447800" cy="266700"/>
           </a:xfrm>
           <a:prstGeom prst="roundRect">
@@ -5573,7 +6609,7 @@
         </p:nvSpPr>
         <p:spPr>
           <a:xfrm>
-            <a:off x="6629400" y="3771900"/>
+            <a:off x="6934200" y="3771900"/>
             <a:ext cx="1447800" cy="266700"/>
           </a:xfrm>
           <a:prstGeom prst="roundRect">
@@ -5619,7 +6655,7 @@
         </p:nvCxnSpPr>
         <p:spPr>
           <a:xfrm>
-            <a:off x="5761686" y="3200400"/>
+            <a:off x="5314145" y="3200400"/>
             <a:ext cx="0" cy="481888"/>
           </a:xfrm>
           <a:prstGeom prst="straightConnector1">
@@ -5653,7 +6689,7 @@
         </p:nvSpPr>
         <p:spPr>
           <a:xfrm rot="16200000">
-            <a:off x="5037784" y="4148075"/>
+            <a:off x="4590243" y="4148075"/>
             <a:ext cx="1447803" cy="516228"/>
           </a:xfrm>
           <a:prstGeom prst="roundRect">
@@ -5706,7 +6742,7 @@
           <a:p>
             <a:fld id="{A40FA8C0-2C77-49AF-ADC9-C03A577B8B6A}" type="datetime1">
               <a:rPr lang="en-US" smtClean="0"/>
-              <a:t>11/28/2016</a:t>
+              <a:t>11/29/2016</a:t>
             </a:fld>
             <a:endParaRPr lang="en-US"/>
           </a:p>
@@ -5736,6 +6772,84 @@
           </a:p>
         </p:txBody>
       </p:sp>
+      <p:sp>
+        <p:nvSpPr>
+          <p:cNvPr id="25" name="Rounded Rectangle 24"/>
+          <p:cNvSpPr/>
+          <p:nvPr/>
+        </p:nvSpPr>
+        <p:spPr>
+          <a:xfrm rot="16200000">
+            <a:off x="5096008" y="2702952"/>
+            <a:ext cx="1888366" cy="516228"/>
+          </a:xfrm>
+          <a:prstGeom prst="roundRect">
+            <a:avLst>
+              <a:gd name="adj" fmla="val 9753"/>
+            </a:avLst>
+          </a:prstGeom>
+        </p:spPr>
+        <p:style>
+          <a:lnRef idx="1">
+            <a:schemeClr val="accent1"/>
+          </a:lnRef>
+          <a:fillRef idx="2">
+            <a:schemeClr val="accent1"/>
+          </a:fillRef>
+          <a:effectRef idx="1">
+            <a:schemeClr val="accent1"/>
+          </a:effectRef>
+          <a:fontRef idx="minor">
+            <a:schemeClr val="dk1"/>
+          </a:fontRef>
+        </p:style>
+        <p:txBody>
+          <a:bodyPr rtlCol="0" anchor="ctr"/>
+          <a:lstStyle/>
+          <a:p>
+            <a:pPr algn="ctr"/>
+            <a:r>
+              <a:rPr lang="en-US" sz="1400" dirty="0" smtClean="0"/>
+              <a:t>Notification Table</a:t>
+            </a:r>
+            <a:endParaRPr lang="en-US" sz="1400" dirty="0"/>
+          </a:p>
+        </p:txBody>
+      </p:sp>
+      <p:cxnSp>
+        <p:nvCxnSpPr>
+          <p:cNvPr id="26" name="Straight Arrow Connector 25"/>
+          <p:cNvCxnSpPr/>
+          <p:nvPr/>
+        </p:nvCxnSpPr>
+        <p:spPr>
+          <a:xfrm>
+            <a:off x="6329964" y="2602607"/>
+            <a:ext cx="451836" cy="6439"/>
+          </a:xfrm>
+          <a:prstGeom prst="straightConnector1">
+            <a:avLst/>
+          </a:prstGeom>
+          <a:ln>
+            <a:headEnd type="none"/>
+            <a:tailEnd type="arrow"/>
+          </a:ln>
+        </p:spPr>
+        <p:style>
+          <a:lnRef idx="1">
+            <a:schemeClr val="accent1"/>
+          </a:lnRef>
+          <a:fillRef idx="0">
+            <a:schemeClr val="accent1"/>
+          </a:fillRef>
+          <a:effectRef idx="0">
+            <a:schemeClr val="accent1"/>
+          </a:effectRef>
+          <a:fontRef idx="minor">
+            <a:schemeClr val="tx1"/>
+          </a:fontRef>
+        </p:style>
+      </p:cxnSp>
     </p:spTree>
     <p:extLst>
       <p:ext uri="{BB962C8B-B14F-4D97-AF65-F5344CB8AC3E}">
@@ -5841,7 +6955,7 @@
           <a:p>
             <a:fld id="{B7395175-05E3-475A-A162-0531C9D04EA1}" type="datetime1">
               <a:rPr lang="en-US" smtClean="0"/>
-              <a:t>11/28/2016</a:t>
+              <a:t>11/29/2016</a:t>
             </a:fld>
             <a:endParaRPr lang="en-US"/>
           </a:p>
@@ -5984,7 +7098,7 @@
           <a:p>
             <a:fld id="{4FBC9D78-B474-4EAC-BAB8-336A7E187AA3}" type="datetime1">
               <a:rPr lang="en-US" smtClean="0"/>
-              <a:t>11/28/2016</a:t>
+              <a:t>11/29/2016</a:t>
             </a:fld>
             <a:endParaRPr lang="en-US"/>
           </a:p>
@@ -6521,7 +7635,7 @@
           <a:p>
             <a:fld id="{9A9AA042-5138-4D45-9158-D048310CDCD3}" type="datetime1">
               <a:rPr lang="en-US" smtClean="0"/>
-              <a:t>11/28/2016</a:t>
+              <a:t>11/29/2016</a:t>
             </a:fld>
             <a:endParaRPr lang="en-US"/>
           </a:p>
@@ -6621,7 +7735,11 @@
           <a:p>
             <a:r>
               <a:rPr lang="en-US" dirty="0" smtClean="0"/>
-              <a:t>Runs in a separate thread and processes the Events in the Event Store</a:t>
+              <a:t>Creates a pool of Event Processors which process </a:t>
+            </a:r>
+            <a:r>
+              <a:rPr lang="en-US" dirty="0" smtClean="0"/>
+              <a:t>the Events in the Event Store</a:t>
             </a:r>
           </a:p>
           <a:p>
@@ -6737,7 +7855,7 @@
           <a:p>
             <a:fld id="{35CD3D95-F4D9-4603-A33F-2BF6D2224D4F}" type="datetime1">
               <a:rPr lang="en-US" smtClean="0"/>
-              <a:t>11/28/2016</a:t>
+              <a:t>11/29/2016</a:t>
             </a:fld>
             <a:endParaRPr lang="en-US"/>
           </a:p>
